--- a/docs/presentation/AGI_Alpha_RSI_Sovereign_Current_Status_Snapshot_Presentation_v1.pptx
+++ b/docs/presentation/AGI_Alpha_RSI_Sovereign_Current_Status_Snapshot_Presentation_v1.pptx
@@ -2769,7 +2769,7 @@
                 <a:ea typeface="Calibri" pitchFamily="34" charset="-122"/>
                 <a:cs typeface="Calibri" pitchFamily="34" charset="-120"/>
               </a:rPr>
-              <a:t>90‑Day Execution Plan</a:t>
+              <a:t>Execution Plan</a:t>
             </a:r>
             <a:endParaRPr lang="en-US" sz="2800" dirty="0"/>
           </a:p>
@@ -3009,7 +3009,7 @@
                 <a:ea typeface="Calibri" pitchFamily="34" charset="-122"/>
                 <a:cs typeface="Calibri" pitchFamily="34" charset="-120"/>
               </a:rPr>
-              <a:t>Phase 1 (Weeks 1–4)</a:t>
+              <a:t>Phase 1</a:t>
             </a:r>
             <a:endParaRPr lang="en-US" sz="1300" dirty="0"/>
           </a:p>
@@ -3366,7 +3366,7 @@
                 <a:ea typeface="Calibri" pitchFamily="34" charset="-122"/>
                 <a:cs typeface="Calibri" pitchFamily="34" charset="-120"/>
               </a:rPr>
-              <a:t>Phase 2 (Weeks 5–8)</a:t>
+              <a:t>Phase 2</a:t>
             </a:r>
             <a:endParaRPr lang="en-US" sz="1300" dirty="0"/>
           </a:p>
@@ -3723,7 +3723,7 @@
                 <a:ea typeface="Calibri" pitchFamily="34" charset="-122"/>
                 <a:cs typeface="Calibri" pitchFamily="34" charset="-120"/>
               </a:rPr>
-              <a:t>Phase 3 (Weeks 9–12)</a:t>
+              <a:t>Phase 3</a:t>
             </a:r>
             <a:endParaRPr lang="en-US" sz="1300" dirty="0"/>
           </a:p>
